--- a/BE-NovelWriter-MuhammadOfie.pptx
+++ b/BE-NovelWriter-MuhammadOfie.pptx
@@ -6,8 +6,8 @@
   </p:sldMasterIdLst>
   <p:sldIdLst>
     <p:sldId id="256" r:id="rId2"/>
-    <p:sldId id="263" r:id="rId3"/>
-    <p:sldId id="264" r:id="rId4"/>
+    <p:sldId id="264" r:id="rId3"/>
+    <p:sldId id="263" r:id="rId4"/>
     <p:sldId id="265" r:id="rId5"/>
   </p:sldIdLst>
   <p:sldSz cx="12192000" cy="6858000"/>
@@ -107,6 +107,11 @@
       </a:defRPr>
     </a:lvl9pPr>
   </p:defaultTextStyle>
+  <p:extLst>
+    <p:ext uri="{EFAFB233-063F-42B5-8137-9DF3F51BA10A}">
+      <p15:sldGuideLst xmlns:p15="http://schemas.microsoft.com/office/powerpoint/2012/main"/>
+    </p:ext>
+  </p:extLst>
 </p:presentation>
 </file>
 
@@ -259,7 +264,7 @@
           <a:p>
             <a:fld id="{61CE5427-8BC0-4A92-B458-BEBF0B5C1C1C}" type="datetimeFigureOut">
               <a:rPr lang="en-ID" smtClean="0"/>
-              <a:t>28/09/2023</a:t>
+              <a:t>02/10/2023</a:t>
             </a:fld>
             <a:endParaRPr lang="en-ID"/>
           </a:p>
@@ -459,7 +464,7 @@
           <a:p>
             <a:fld id="{61CE5427-8BC0-4A92-B458-BEBF0B5C1C1C}" type="datetimeFigureOut">
               <a:rPr lang="en-ID" smtClean="0"/>
-              <a:t>28/09/2023</a:t>
+              <a:t>02/10/2023</a:t>
             </a:fld>
             <a:endParaRPr lang="en-ID"/>
           </a:p>
@@ -669,7 +674,7 @@
           <a:p>
             <a:fld id="{61CE5427-8BC0-4A92-B458-BEBF0B5C1C1C}" type="datetimeFigureOut">
               <a:rPr lang="en-ID" smtClean="0"/>
-              <a:t>28/09/2023</a:t>
+              <a:t>02/10/2023</a:t>
             </a:fld>
             <a:endParaRPr lang="en-ID"/>
           </a:p>
@@ -869,7 +874,7 @@
           <a:p>
             <a:fld id="{61CE5427-8BC0-4A92-B458-BEBF0B5C1C1C}" type="datetimeFigureOut">
               <a:rPr lang="en-ID" smtClean="0"/>
-              <a:t>28/09/2023</a:t>
+              <a:t>02/10/2023</a:t>
             </a:fld>
             <a:endParaRPr lang="en-ID"/>
           </a:p>
@@ -1145,7 +1150,7 @@
           <a:p>
             <a:fld id="{61CE5427-8BC0-4A92-B458-BEBF0B5C1C1C}" type="datetimeFigureOut">
               <a:rPr lang="en-ID" smtClean="0"/>
-              <a:t>28/09/2023</a:t>
+              <a:t>02/10/2023</a:t>
             </a:fld>
             <a:endParaRPr lang="en-ID"/>
           </a:p>
@@ -1413,7 +1418,7 @@
           <a:p>
             <a:fld id="{61CE5427-8BC0-4A92-B458-BEBF0B5C1C1C}" type="datetimeFigureOut">
               <a:rPr lang="en-ID" smtClean="0"/>
-              <a:t>28/09/2023</a:t>
+              <a:t>02/10/2023</a:t>
             </a:fld>
             <a:endParaRPr lang="en-ID"/>
           </a:p>
@@ -1828,7 +1833,7 @@
           <a:p>
             <a:fld id="{61CE5427-8BC0-4A92-B458-BEBF0B5C1C1C}" type="datetimeFigureOut">
               <a:rPr lang="en-ID" smtClean="0"/>
-              <a:t>28/09/2023</a:t>
+              <a:t>02/10/2023</a:t>
             </a:fld>
             <a:endParaRPr lang="en-ID"/>
           </a:p>
@@ -1970,7 +1975,7 @@
           <a:p>
             <a:fld id="{61CE5427-8BC0-4A92-B458-BEBF0B5C1C1C}" type="datetimeFigureOut">
               <a:rPr lang="en-ID" smtClean="0"/>
-              <a:t>28/09/2023</a:t>
+              <a:t>02/10/2023</a:t>
             </a:fld>
             <a:endParaRPr lang="en-ID"/>
           </a:p>
@@ -2083,7 +2088,7 @@
           <a:p>
             <a:fld id="{61CE5427-8BC0-4A92-B458-BEBF0B5C1C1C}" type="datetimeFigureOut">
               <a:rPr lang="en-ID" smtClean="0"/>
-              <a:t>28/09/2023</a:t>
+              <a:t>02/10/2023</a:t>
             </a:fld>
             <a:endParaRPr lang="en-ID"/>
           </a:p>
@@ -2396,7 +2401,7 @@
           <a:p>
             <a:fld id="{61CE5427-8BC0-4A92-B458-BEBF0B5C1C1C}" type="datetimeFigureOut">
               <a:rPr lang="en-ID" smtClean="0"/>
-              <a:t>28/09/2023</a:t>
+              <a:t>02/10/2023</a:t>
             </a:fld>
             <a:endParaRPr lang="en-ID"/>
           </a:p>
@@ -2685,7 +2690,7 @@
           <a:p>
             <a:fld id="{61CE5427-8BC0-4A92-B458-BEBF0B5C1C1C}" type="datetimeFigureOut">
               <a:rPr lang="en-ID" smtClean="0"/>
-              <a:t>28/09/2023</a:t>
+              <a:t>02/10/2023</a:t>
             </a:fld>
             <a:endParaRPr lang="en-ID"/>
           </a:p>
@@ -2928,7 +2933,7 @@
           <a:p>
             <a:fld id="{61CE5427-8BC0-4A92-B458-BEBF0B5C1C1C}" type="datetimeFigureOut">
               <a:rPr lang="en-ID" smtClean="0"/>
-              <a:t>28/09/2023</a:t>
+              <a:t>02/10/2023</a:t>
             </a:fld>
             <a:endParaRPr lang="en-ID"/>
           </a:p>
@@ -4051,103 +4056,6 @@
           <p:cNvPr id="2" name="Title 1">
             <a:extLst>
               <a:ext uri="{FF2B5EF4-FFF2-40B4-BE49-F238E27FC236}">
-                <a16:creationId xmlns:a16="http://schemas.microsoft.com/office/drawing/2014/main" id="{BB785026-D776-5926-326C-48858DEC71C3}"/>
-              </a:ext>
-            </a:extLst>
-          </p:cNvPr>
-          <p:cNvSpPr>
-            <a:spLocks noGrp="1"/>
-          </p:cNvSpPr>
-          <p:nvPr>
-            <p:ph type="title"/>
-          </p:nvPr>
-        </p:nvSpPr>
-        <p:spPr>
-          <a:xfrm>
-            <a:off x="1031139" y="1979580"/>
-            <a:ext cx="3210128" cy="2898841"/>
-          </a:xfrm>
-        </p:spPr>
-        <p:txBody>
-          <a:bodyPr/>
-          <a:lstStyle/>
-          <a:p>
-            <a:r>
-              <a:rPr lang="en-ID" i="1" dirty="0"/>
-              <a:t>Entity Relational Diagram</a:t>
-            </a:r>
-          </a:p>
-        </p:txBody>
-      </p:sp>
-      <p:pic>
-        <p:nvPicPr>
-          <p:cNvPr id="5" name="Content Placeholder 4" descr="A screenshot of a computer&#10;&#10;Description automatically generated">
-            <a:extLst>
-              <a:ext uri="{FF2B5EF4-FFF2-40B4-BE49-F238E27FC236}">
-                <a16:creationId xmlns:a16="http://schemas.microsoft.com/office/drawing/2014/main" id="{86EEA8EF-3324-056F-2BF6-F9AC7643FBF3}"/>
-              </a:ext>
-            </a:extLst>
-          </p:cNvPr>
-          <p:cNvPicPr>
-            <a:picLocks noGrp="1" noChangeAspect="1"/>
-          </p:cNvPicPr>
-          <p:nvPr>
-            <p:ph idx="1"/>
-          </p:nvPr>
-        </p:nvPicPr>
-        <p:blipFill rotWithShape="1">
-          <a:blip r:embed="rId2">
-            <a:extLst>
-              <a:ext uri="{28A0092B-C50C-407E-A947-70E740481C1C}">
-                <a14:useLocalDpi xmlns:a14="http://schemas.microsoft.com/office/drawing/2010/main" val="0"/>
-              </a:ext>
-            </a:extLst>
-          </a:blip>
-          <a:srcRect t="6544" b="2979"/>
-          <a:stretch/>
-        </p:blipFill>
-        <p:spPr>
-          <a:xfrm>
-            <a:off x="5671225" y="3439"/>
-            <a:ext cx="6520775" cy="6851122"/>
-          </a:xfrm>
-        </p:spPr>
-      </p:pic>
-    </p:spTree>
-    <p:extLst>
-      <p:ext uri="{BB962C8B-B14F-4D97-AF65-F5344CB8AC3E}">
-        <p14:creationId xmlns:p14="http://schemas.microsoft.com/office/powerpoint/2010/main" val="3300776022"/>
-      </p:ext>
-    </p:extLst>
-  </p:cSld>
-  <p:clrMapOvr>
-    <a:masterClrMapping/>
-  </p:clrMapOvr>
-</p:sld>
-</file>
-
-<file path=ppt/slides/slide3.xml><?xml version="1.0" encoding="utf-8"?>
-<p:sld xmlns:a="http://schemas.openxmlformats.org/drawingml/2006/main" xmlns:r="http://schemas.openxmlformats.org/officeDocument/2006/relationships" xmlns:p="http://schemas.openxmlformats.org/presentationml/2006/main">
-  <p:cSld>
-    <p:spTree>
-      <p:nvGrpSpPr>
-        <p:cNvPr id="1" name=""/>
-        <p:cNvGrpSpPr/>
-        <p:nvPr/>
-      </p:nvGrpSpPr>
-      <p:grpSpPr>
-        <a:xfrm>
-          <a:off x="0" y="0"/>
-          <a:ext cx="0" cy="0"/>
-          <a:chOff x="0" y="0"/>
-          <a:chExt cx="0" cy="0"/>
-        </a:xfrm>
-      </p:grpSpPr>
-      <p:sp>
-        <p:nvSpPr>
-          <p:cNvPr id="2" name="Title 1">
-            <a:extLst>
-              <a:ext uri="{FF2B5EF4-FFF2-40B4-BE49-F238E27FC236}">
                 <a16:creationId xmlns:a16="http://schemas.microsoft.com/office/drawing/2014/main" id="{328B8642-35B3-A862-DD15-3C671C391FD0}"/>
               </a:ext>
             </a:extLst>
@@ -4510,6 +4418,103 @@
     <p:extLst>
       <p:ext uri="{BB962C8B-B14F-4D97-AF65-F5344CB8AC3E}">
         <p14:creationId xmlns:p14="http://schemas.microsoft.com/office/powerpoint/2010/main" val="213454937"/>
+      </p:ext>
+    </p:extLst>
+  </p:cSld>
+  <p:clrMapOvr>
+    <a:masterClrMapping/>
+  </p:clrMapOvr>
+</p:sld>
+</file>
+
+<file path=ppt/slides/slide3.xml><?xml version="1.0" encoding="utf-8"?>
+<p:sld xmlns:a="http://schemas.openxmlformats.org/drawingml/2006/main" xmlns:r="http://schemas.openxmlformats.org/officeDocument/2006/relationships" xmlns:p="http://schemas.openxmlformats.org/presentationml/2006/main">
+  <p:cSld>
+    <p:spTree>
+      <p:nvGrpSpPr>
+        <p:cNvPr id="1" name=""/>
+        <p:cNvGrpSpPr/>
+        <p:nvPr/>
+      </p:nvGrpSpPr>
+      <p:grpSpPr>
+        <a:xfrm>
+          <a:off x="0" y="0"/>
+          <a:ext cx="0" cy="0"/>
+          <a:chOff x="0" y="0"/>
+          <a:chExt cx="0" cy="0"/>
+        </a:xfrm>
+      </p:grpSpPr>
+      <p:sp>
+        <p:nvSpPr>
+          <p:cNvPr id="2" name="Title 1">
+            <a:extLst>
+              <a:ext uri="{FF2B5EF4-FFF2-40B4-BE49-F238E27FC236}">
+                <a16:creationId xmlns:a16="http://schemas.microsoft.com/office/drawing/2014/main" id="{BB785026-D776-5926-326C-48858DEC71C3}"/>
+              </a:ext>
+            </a:extLst>
+          </p:cNvPr>
+          <p:cNvSpPr>
+            <a:spLocks noGrp="1"/>
+          </p:cNvSpPr>
+          <p:nvPr>
+            <p:ph type="title"/>
+          </p:nvPr>
+        </p:nvSpPr>
+        <p:spPr>
+          <a:xfrm>
+            <a:off x="1031139" y="1979580"/>
+            <a:ext cx="3210128" cy="2898841"/>
+          </a:xfrm>
+        </p:spPr>
+        <p:txBody>
+          <a:bodyPr/>
+          <a:lstStyle/>
+          <a:p>
+            <a:r>
+              <a:rPr lang="en-ID" i="1" dirty="0"/>
+              <a:t>Entity Relational Diagram</a:t>
+            </a:r>
+          </a:p>
+        </p:txBody>
+      </p:sp>
+      <p:pic>
+        <p:nvPicPr>
+          <p:cNvPr id="5" name="Content Placeholder 4" descr="A screenshot of a computer&#10;&#10;Description automatically generated">
+            <a:extLst>
+              <a:ext uri="{FF2B5EF4-FFF2-40B4-BE49-F238E27FC236}">
+                <a16:creationId xmlns:a16="http://schemas.microsoft.com/office/drawing/2014/main" id="{86EEA8EF-3324-056F-2BF6-F9AC7643FBF3}"/>
+              </a:ext>
+            </a:extLst>
+          </p:cNvPr>
+          <p:cNvPicPr>
+            <a:picLocks noGrp="1" noChangeAspect="1"/>
+          </p:cNvPicPr>
+          <p:nvPr>
+            <p:ph idx="1"/>
+          </p:nvPr>
+        </p:nvPicPr>
+        <p:blipFill rotWithShape="1">
+          <a:blip r:embed="rId2">
+            <a:extLst>
+              <a:ext uri="{28A0092B-C50C-407E-A947-70E740481C1C}">
+                <a14:useLocalDpi xmlns:a14="http://schemas.microsoft.com/office/drawing/2010/main" val="0"/>
+              </a:ext>
+            </a:extLst>
+          </a:blip>
+          <a:srcRect t="6544" b="2979"/>
+          <a:stretch/>
+        </p:blipFill>
+        <p:spPr>
+          <a:xfrm>
+            <a:off x="5671225" y="3439"/>
+            <a:ext cx="6520775" cy="6851122"/>
+          </a:xfrm>
+        </p:spPr>
+      </p:pic>
+    </p:spTree>
+    <p:extLst>
+      <p:ext uri="{BB962C8B-B14F-4D97-AF65-F5344CB8AC3E}">
+        <p14:creationId xmlns:p14="http://schemas.microsoft.com/office/powerpoint/2010/main" val="3300776022"/>
       </p:ext>
     </p:extLst>
   </p:cSld>
